--- a/challenge#3/Challenge2_Group4.pptx
+++ b/challenge#3/Challenge2_Group4.pptx
@@ -7280,11 +7280,11 @@
               <a:t>	</a:t>
             </a:r>
             <a:r>
-              <a:rPr lang="en-US" sz="1900" smtClean="0"/>
+              <a:rPr lang="en-US" sz="1900" dirty="0" smtClean="0"/>
               <a:t>- </a:t>
             </a:r>
             <a:r>
-              <a:rPr lang="en-US" altLang="zh-CN" sz="1900" smtClean="0"/>
+              <a:rPr lang="en-US" altLang="zh-CN" sz="1900" dirty="0" smtClean="0"/>
               <a:t>Mobile</a:t>
             </a:r>
             <a:r>
